--- a/Electronics for the Arduino.pptx
+++ b/Electronics for the Arduino.pptx
@@ -2,7 +2,7 @@
 <file path=ppt/presentation.xml><?xml version="1.0" encoding="utf-8"?>
 <p:presentation xmlns:a="http://schemas.openxmlformats.org/drawingml/2006/main" xmlns:r="http://schemas.openxmlformats.org/officeDocument/2006/relationships" xmlns:p="http://schemas.openxmlformats.org/presentationml/2006/main" autoCompressPictures="0">
   <p:sldMasterIdLst>
-    <p:sldMasterId id="2147483648" r:id="rId1"/>
+    <p:sldMasterId id="2147483669" r:id="rId1"/>
   </p:sldMasterIdLst>
   <p:sldIdLst>
     <p:sldId id="256" r:id="rId2"/>
@@ -108,6 +108,11 @@
       </a:defRPr>
     </a:lvl9pPr>
   </p:defaultTextStyle>
+  <p:extLst>
+    <p:ext uri="{EFAFB233-063F-42B5-8137-9DF3F51BA10A}">
+      <p15:sldGuideLst xmlns:p15="http://schemas.microsoft.com/office/powerpoint/2012/main"/>
+    </p:ext>
+  </p:extLst>
 </p:presentation>
 </file>
 
@@ -196,9 +201,8 @@
                 <a:schemeClr val="tx2"/>
               </a:gs>
               <a:gs pos="100000">
-                <a:schemeClr val="bg2">
-                  <a:lumMod val="60000"/>
-                  <a:lumOff val="40000"/>
+                <a:schemeClr val="tx2">
+                  <a:lumMod val="50000"/>
                 </a:schemeClr>
               </a:gs>
             </a:gsLst>
@@ -4393,8 +4397,8 @@
           <a:lstStyle/>
           <a:p>
             <a:fld id="{48A87A34-81AB-432B-8DAE-1953F412C126}" type="datetimeFigureOut">
-              <a:rPr lang="en-US" dirty="0"/>
-              <a:t>12/14/2022</a:t>
+              <a:rPr lang="en-US" smtClean="0"/>
+              <a:t>1/20/2023</a:t>
             </a:fld>
             <a:endParaRPr lang="en-US" dirty="0"/>
           </a:p>
@@ -4445,7 +4449,7 @@
           <a:lstStyle/>
           <a:p>
             <a:fld id="{6D22F896-40B5-4ADD-8801-0D06FADFA095}" type="slidenum">
-              <a:rPr lang="en-US" dirty="0"/>
+              <a:rPr lang="en-US" smtClean="0"/>
               <a:t>‹#›</a:t>
             </a:fld>
             <a:endParaRPr lang="en-US" dirty="0"/>
@@ -4453,6 +4457,11 @@
         </p:txBody>
       </p:sp>
     </p:spTree>
+    <p:extLst>
+      <p:ext uri="{BB962C8B-B14F-4D97-AF65-F5344CB8AC3E}">
+        <p14:creationId xmlns:p14="http://schemas.microsoft.com/office/powerpoint/2010/main" val="459972344"/>
+      </p:ext>
+    </p:extLst>
   </p:cSld>
   <p:clrMapOvr>
     <a:masterClrMapping/>
@@ -4655,8 +4664,8 @@
           <a:lstStyle/>
           <a:p>
             <a:fld id="{48A87A34-81AB-432B-8DAE-1953F412C126}" type="datetimeFigureOut">
-              <a:rPr lang="en-US" dirty="0"/>
-              <a:t>12/14/2022</a:t>
+              <a:rPr lang="en-US" smtClean="0"/>
+              <a:t>1/20/2023</a:t>
             </a:fld>
             <a:endParaRPr lang="en-US" dirty="0"/>
           </a:p>
@@ -4697,7 +4706,7 @@
           <a:lstStyle/>
           <a:p>
             <a:fld id="{6D22F896-40B5-4ADD-8801-0D06FADFA095}" type="slidenum">
-              <a:rPr lang="en-US" dirty="0"/>
+              <a:rPr lang="en-US" smtClean="0"/>
               <a:t>‹#›</a:t>
             </a:fld>
             <a:endParaRPr lang="en-US" dirty="0"/>
@@ -4705,6 +4714,11 @@
         </p:txBody>
       </p:sp>
     </p:spTree>
+    <p:extLst>
+      <p:ext uri="{BB962C8B-B14F-4D97-AF65-F5344CB8AC3E}">
+        <p14:creationId xmlns:p14="http://schemas.microsoft.com/office/powerpoint/2010/main" val="409595697"/>
+      </p:ext>
+    </p:extLst>
   </p:cSld>
   <p:clrMapOvr>
     <a:masterClrMapping/>
@@ -4846,8 +4860,8 @@
           <a:lstStyle/>
           <a:p>
             <a:fld id="{48A87A34-81AB-432B-8DAE-1953F412C126}" type="datetimeFigureOut">
-              <a:rPr lang="en-US" dirty="0"/>
-              <a:t>12/14/2022</a:t>
+              <a:rPr lang="en-US" smtClean="0"/>
+              <a:t>1/20/2023</a:t>
             </a:fld>
             <a:endParaRPr lang="en-US" dirty="0"/>
           </a:p>
@@ -4888,7 +4902,7 @@
           <a:lstStyle/>
           <a:p>
             <a:fld id="{6D22F896-40B5-4ADD-8801-0D06FADFA095}" type="slidenum">
-              <a:rPr lang="en-US" dirty="0"/>
+              <a:rPr lang="en-US" smtClean="0"/>
               <a:t>‹#›</a:t>
             </a:fld>
             <a:endParaRPr lang="en-US" dirty="0"/>
@@ -4896,6 +4910,11 @@
         </p:txBody>
       </p:sp>
     </p:spTree>
+    <p:extLst>
+      <p:ext uri="{BB962C8B-B14F-4D97-AF65-F5344CB8AC3E}">
+        <p14:creationId xmlns:p14="http://schemas.microsoft.com/office/powerpoint/2010/main" val="1372632426"/>
+      </p:ext>
+    </p:extLst>
   </p:cSld>
   <p:clrMapOvr>
     <a:masterClrMapping/>
@@ -5104,8 +5123,8 @@
           <a:lstStyle/>
           <a:p>
             <a:fld id="{48A87A34-81AB-432B-8DAE-1953F412C126}" type="datetimeFigureOut">
-              <a:rPr lang="en-US" dirty="0"/>
-              <a:t>12/14/2022</a:t>
+              <a:rPr lang="en-US" smtClean="0"/>
+              <a:t>1/20/2023</a:t>
             </a:fld>
             <a:endParaRPr lang="en-US" dirty="0"/>
           </a:p>
@@ -5146,7 +5165,7 @@
           <a:lstStyle/>
           <a:p>
             <a:fld id="{6D22F896-40B5-4ADD-8801-0D06FADFA095}" type="slidenum">
-              <a:rPr lang="en-US" dirty="0"/>
+              <a:rPr lang="en-US" smtClean="0"/>
               <a:t>‹#›</a:t>
             </a:fld>
             <a:endParaRPr lang="en-US" dirty="0"/>
@@ -5392,6 +5411,11 @@
         </p:txBody>
       </p:sp>
     </p:spTree>
+    <p:extLst>
+      <p:ext uri="{BB962C8B-B14F-4D97-AF65-F5344CB8AC3E}">
+        <p14:creationId xmlns:p14="http://schemas.microsoft.com/office/powerpoint/2010/main" val="1113829716"/>
+      </p:ext>
+    </p:extLst>
   </p:cSld>
   <p:clrMapOvr>
     <a:masterClrMapping/>
@@ -5533,8 +5557,8 @@
           <a:lstStyle/>
           <a:p>
             <a:fld id="{48A87A34-81AB-432B-8DAE-1953F412C126}" type="datetimeFigureOut">
-              <a:rPr lang="en-US" dirty="0"/>
-              <a:t>12/14/2022</a:t>
+              <a:rPr lang="en-US" smtClean="0"/>
+              <a:t>1/20/2023</a:t>
             </a:fld>
             <a:endParaRPr lang="en-US" dirty="0"/>
           </a:p>
@@ -5575,7 +5599,7 @@
           <a:lstStyle/>
           <a:p>
             <a:fld id="{6D22F896-40B5-4ADD-8801-0D06FADFA095}" type="slidenum">
-              <a:rPr lang="en-US" dirty="0"/>
+              <a:rPr lang="en-US" smtClean="0"/>
               <a:t>‹#›</a:t>
             </a:fld>
             <a:endParaRPr lang="en-US" dirty="0"/>
@@ -5583,6 +5607,11 @@
         </p:txBody>
       </p:sp>
     </p:spTree>
+    <p:extLst>
+      <p:ext uri="{BB962C8B-B14F-4D97-AF65-F5344CB8AC3E}">
+        <p14:creationId xmlns:p14="http://schemas.microsoft.com/office/powerpoint/2010/main" val="27253041"/>
+      </p:ext>
+    </p:extLst>
   </p:cSld>
   <p:clrMapOvr>
     <a:masterClrMapping/>
@@ -6074,8 +6103,8 @@
           <a:lstStyle/>
           <a:p>
             <a:fld id="{48A87A34-81AB-432B-8DAE-1953F412C126}" type="datetimeFigureOut">
-              <a:rPr lang="en-US" dirty="0"/>
-              <a:t>12/14/2022</a:t>
+              <a:rPr lang="en-US" smtClean="0"/>
+              <a:t>1/20/2023</a:t>
             </a:fld>
             <a:endParaRPr lang="en-US" dirty="0"/>
           </a:p>
@@ -6116,7 +6145,7 @@
           <a:lstStyle/>
           <a:p>
             <a:fld id="{6D22F896-40B5-4ADD-8801-0D06FADFA095}" type="slidenum">
-              <a:rPr lang="en-US" dirty="0"/>
+              <a:rPr lang="en-US" smtClean="0"/>
               <a:t>‹#›</a:t>
             </a:fld>
             <a:endParaRPr lang="en-US" dirty="0"/>
@@ -6124,6 +6153,11 @@
         </p:txBody>
       </p:sp>
     </p:spTree>
+    <p:extLst>
+      <p:ext uri="{BB962C8B-B14F-4D97-AF65-F5344CB8AC3E}">
+        <p14:creationId xmlns:p14="http://schemas.microsoft.com/office/powerpoint/2010/main" val="2357693959"/>
+      </p:ext>
+    </p:extLst>
   </p:cSld>
   <p:clrMapOvr>
     <a:masterClrMapping/>
@@ -6789,8 +6823,8 @@
           <a:lstStyle/>
           <a:p>
             <a:fld id="{48A87A34-81AB-432B-8DAE-1953F412C126}" type="datetimeFigureOut">
-              <a:rPr lang="en-US" dirty="0"/>
-              <a:t>12/14/2022</a:t>
+              <a:rPr lang="en-US" smtClean="0"/>
+              <a:t>1/20/2023</a:t>
             </a:fld>
             <a:endParaRPr lang="en-US" dirty="0"/>
           </a:p>
@@ -6831,7 +6865,7 @@
           <a:lstStyle/>
           <a:p>
             <a:fld id="{6D22F896-40B5-4ADD-8801-0D06FADFA095}" type="slidenum">
-              <a:rPr lang="en-US" dirty="0"/>
+              <a:rPr lang="en-US" smtClean="0"/>
               <a:t>‹#›</a:t>
             </a:fld>
             <a:endParaRPr lang="en-US" dirty="0"/>
@@ -6839,6 +6873,11 @@
         </p:txBody>
       </p:sp>
     </p:spTree>
+    <p:extLst>
+      <p:ext uri="{BB962C8B-B14F-4D97-AF65-F5344CB8AC3E}">
+        <p14:creationId xmlns:p14="http://schemas.microsoft.com/office/powerpoint/2010/main" val="1063219351"/>
+      </p:ext>
+    </p:extLst>
   </p:cSld>
   <p:clrMapOvr>
     <a:masterClrMapping/>
@@ -6954,8 +6993,8 @@
           <a:lstStyle/>
           <a:p>
             <a:fld id="{48A87A34-81AB-432B-8DAE-1953F412C126}" type="datetimeFigureOut">
-              <a:rPr lang="en-US" dirty="0"/>
-              <a:t>12/14/2022</a:t>
+              <a:rPr lang="en-US" smtClean="0"/>
+              <a:t>1/20/2023</a:t>
             </a:fld>
             <a:endParaRPr lang="en-US" dirty="0"/>
           </a:p>
@@ -6996,7 +7035,7 @@
           <a:lstStyle/>
           <a:p>
             <a:fld id="{6D22F896-40B5-4ADD-8801-0D06FADFA095}" type="slidenum">
-              <a:rPr lang="en-US" dirty="0"/>
+              <a:rPr lang="en-US" smtClean="0"/>
               <a:t>‹#›</a:t>
             </a:fld>
             <a:endParaRPr lang="en-US" dirty="0"/>
@@ -7004,6 +7043,11 @@
         </p:txBody>
       </p:sp>
     </p:spTree>
+    <p:extLst>
+      <p:ext uri="{BB962C8B-B14F-4D97-AF65-F5344CB8AC3E}">
+        <p14:creationId xmlns:p14="http://schemas.microsoft.com/office/powerpoint/2010/main" val="591683244"/>
+      </p:ext>
+    </p:extLst>
   </p:cSld>
   <p:clrMapOvr>
     <a:masterClrMapping/>
@@ -7129,8 +7173,8 @@
           <a:lstStyle/>
           <a:p>
             <a:fld id="{48A87A34-81AB-432B-8DAE-1953F412C126}" type="datetimeFigureOut">
-              <a:rPr lang="en-US" dirty="0"/>
-              <a:t>12/14/2022</a:t>
+              <a:rPr lang="en-US" smtClean="0"/>
+              <a:t>1/20/2023</a:t>
             </a:fld>
             <a:endParaRPr lang="en-US" dirty="0"/>
           </a:p>
@@ -7171,7 +7215,7 @@
           <a:lstStyle/>
           <a:p>
             <a:fld id="{6D22F896-40B5-4ADD-8801-0D06FADFA095}" type="slidenum">
-              <a:rPr lang="en-US" dirty="0"/>
+              <a:rPr lang="en-US" smtClean="0"/>
               <a:t>‹#›</a:t>
             </a:fld>
             <a:endParaRPr lang="en-US" dirty="0"/>
@@ -7179,6 +7223,11 @@
         </p:txBody>
       </p:sp>
     </p:spTree>
+    <p:extLst>
+      <p:ext uri="{BB962C8B-B14F-4D97-AF65-F5344CB8AC3E}">
+        <p14:creationId xmlns:p14="http://schemas.microsoft.com/office/powerpoint/2010/main" val="1260442027"/>
+      </p:ext>
+    </p:extLst>
   </p:cSld>
   <p:clrMapOvr>
     <a:masterClrMapping/>
@@ -7294,8 +7343,8 @@
           <a:lstStyle/>
           <a:p>
             <a:fld id="{48A87A34-81AB-432B-8DAE-1953F412C126}" type="datetimeFigureOut">
-              <a:rPr lang="en-US" dirty="0"/>
-              <a:t>12/14/2022</a:t>
+              <a:rPr lang="en-US" smtClean="0"/>
+              <a:t>1/20/2023</a:t>
             </a:fld>
             <a:endParaRPr lang="en-US" dirty="0"/>
           </a:p>
@@ -7336,7 +7385,7 @@
           <a:lstStyle/>
           <a:p>
             <a:fld id="{6D22F896-40B5-4ADD-8801-0D06FADFA095}" type="slidenum">
-              <a:rPr lang="en-US" dirty="0"/>
+              <a:rPr lang="en-US" smtClean="0"/>
               <a:t>‹#›</a:t>
             </a:fld>
             <a:endParaRPr lang="en-US" dirty="0"/>
@@ -7344,6 +7393,11 @@
         </p:txBody>
       </p:sp>
     </p:spTree>
+    <p:extLst>
+      <p:ext uri="{BB962C8B-B14F-4D97-AF65-F5344CB8AC3E}">
+        <p14:creationId xmlns:p14="http://schemas.microsoft.com/office/powerpoint/2010/main" val="3422377582"/>
+      </p:ext>
+    </p:extLst>
   </p:cSld>
   <p:clrMapOvr>
     <a:masterClrMapping/>
@@ -7539,8 +7593,8 @@
           <a:lstStyle/>
           <a:p>
             <a:fld id="{48A87A34-81AB-432B-8DAE-1953F412C126}" type="datetimeFigureOut">
-              <a:rPr lang="en-US" dirty="0"/>
-              <a:t>12/14/2022</a:t>
+              <a:rPr lang="en-US" smtClean="0"/>
+              <a:t>1/20/2023</a:t>
             </a:fld>
             <a:endParaRPr lang="en-US" dirty="0"/>
           </a:p>
@@ -7581,7 +7635,7 @@
           <a:lstStyle/>
           <a:p>
             <a:fld id="{6D22F896-40B5-4ADD-8801-0D06FADFA095}" type="slidenum">
-              <a:rPr lang="en-US" dirty="0"/>
+              <a:rPr lang="en-US" smtClean="0"/>
               <a:t>‹#›</a:t>
             </a:fld>
             <a:endParaRPr lang="en-US" dirty="0"/>
@@ -7589,6 +7643,11 @@
         </p:txBody>
       </p:sp>
     </p:spTree>
+    <p:extLst>
+      <p:ext uri="{BB962C8B-B14F-4D97-AF65-F5344CB8AC3E}">
+        <p14:creationId xmlns:p14="http://schemas.microsoft.com/office/powerpoint/2010/main" val="730639968"/>
+      </p:ext>
+    </p:extLst>
   </p:cSld>
   <p:clrMapOvr>
     <a:masterClrMapping/>
@@ -7766,8 +7825,8 @@
           <a:lstStyle/>
           <a:p>
             <a:fld id="{48A87A34-81AB-432B-8DAE-1953F412C126}" type="datetimeFigureOut">
-              <a:rPr lang="en-US" dirty="0"/>
-              <a:t>12/14/2022</a:t>
+              <a:rPr lang="en-US" smtClean="0"/>
+              <a:t>1/20/2023</a:t>
             </a:fld>
             <a:endParaRPr lang="en-US" dirty="0"/>
           </a:p>
@@ -7808,7 +7867,7 @@
           <a:lstStyle/>
           <a:p>
             <a:fld id="{6D22F896-40B5-4ADD-8801-0D06FADFA095}" type="slidenum">
-              <a:rPr lang="en-US" dirty="0"/>
+              <a:rPr lang="en-US" smtClean="0"/>
               <a:t>‹#›</a:t>
             </a:fld>
             <a:endParaRPr lang="en-US" dirty="0"/>
@@ -7816,6 +7875,11 @@
         </p:txBody>
       </p:sp>
     </p:spTree>
+    <p:extLst>
+      <p:ext uri="{BB962C8B-B14F-4D97-AF65-F5344CB8AC3E}">
+        <p14:creationId xmlns:p14="http://schemas.microsoft.com/office/powerpoint/2010/main" val="1569272296"/>
+      </p:ext>
+    </p:extLst>
   </p:cSld>
   <p:clrMapOvr>
     <a:masterClrMapping/>
@@ -8142,8 +8206,8 @@
           <a:lstStyle/>
           <a:p>
             <a:fld id="{48A87A34-81AB-432B-8DAE-1953F412C126}" type="datetimeFigureOut">
-              <a:rPr lang="en-US" dirty="0"/>
-              <a:t>12/14/2022</a:t>
+              <a:rPr lang="en-US" smtClean="0"/>
+              <a:t>1/20/2023</a:t>
             </a:fld>
             <a:endParaRPr lang="en-US" dirty="0"/>
           </a:p>
@@ -8184,7 +8248,7 @@
           <a:lstStyle/>
           <a:p>
             <a:fld id="{6D22F896-40B5-4ADD-8801-0D06FADFA095}" type="slidenum">
-              <a:rPr lang="en-US" dirty="0"/>
+              <a:rPr lang="en-US" smtClean="0"/>
               <a:t>‹#›</a:t>
             </a:fld>
             <a:endParaRPr lang="en-US" dirty="0"/>
@@ -8192,6 +8256,11 @@
         </p:txBody>
       </p:sp>
     </p:spTree>
+    <p:extLst>
+      <p:ext uri="{BB962C8B-B14F-4D97-AF65-F5344CB8AC3E}">
+        <p14:creationId xmlns:p14="http://schemas.microsoft.com/office/powerpoint/2010/main" val="2266134415"/>
+      </p:ext>
+    </p:extLst>
   </p:cSld>
   <p:clrMapOvr>
     <a:masterClrMapping/>
@@ -8255,8 +8324,8 @@
           <a:lstStyle/>
           <a:p>
             <a:fld id="{48A87A34-81AB-432B-8DAE-1953F412C126}" type="datetimeFigureOut">
-              <a:rPr lang="en-US" dirty="0"/>
-              <a:t>12/14/2022</a:t>
+              <a:rPr lang="en-US" smtClean="0"/>
+              <a:t>1/20/2023</a:t>
             </a:fld>
             <a:endParaRPr lang="en-US" dirty="0"/>
           </a:p>
@@ -8297,7 +8366,7 @@
           <a:lstStyle/>
           <a:p>
             <a:fld id="{6D22F896-40B5-4ADD-8801-0D06FADFA095}" type="slidenum">
-              <a:rPr lang="en-US" dirty="0"/>
+              <a:rPr lang="en-US" smtClean="0"/>
               <a:t>‹#›</a:t>
             </a:fld>
             <a:endParaRPr lang="en-US" dirty="0"/>
@@ -8305,6 +8374,11 @@
         </p:txBody>
       </p:sp>
     </p:spTree>
+    <p:extLst>
+      <p:ext uri="{BB962C8B-B14F-4D97-AF65-F5344CB8AC3E}">
+        <p14:creationId xmlns:p14="http://schemas.microsoft.com/office/powerpoint/2010/main" val="2315270493"/>
+      </p:ext>
+    </p:extLst>
   </p:cSld>
   <p:clrMapOvr>
     <a:masterClrMapping/>
@@ -8345,8 +8419,8 @@
           <a:lstStyle/>
           <a:p>
             <a:fld id="{48A87A34-81AB-432B-8DAE-1953F412C126}" type="datetimeFigureOut">
-              <a:rPr lang="en-US" dirty="0"/>
-              <a:t>12/14/2022</a:t>
+              <a:rPr lang="en-US" smtClean="0"/>
+              <a:t>1/20/2023</a:t>
             </a:fld>
             <a:endParaRPr lang="en-US" dirty="0"/>
           </a:p>
@@ -8387,7 +8461,7 @@
           <a:lstStyle/>
           <a:p>
             <a:fld id="{6D22F896-40B5-4ADD-8801-0D06FADFA095}" type="slidenum">
-              <a:rPr lang="en-US" dirty="0"/>
+              <a:rPr lang="en-US" smtClean="0"/>
               <a:t>‹#›</a:t>
             </a:fld>
             <a:endParaRPr lang="en-US" dirty="0"/>
@@ -8395,6 +8469,11 @@
         </p:txBody>
       </p:sp>
     </p:spTree>
+    <p:extLst>
+      <p:ext uri="{BB962C8B-B14F-4D97-AF65-F5344CB8AC3E}">
+        <p14:creationId xmlns:p14="http://schemas.microsoft.com/office/powerpoint/2010/main" val="3832470896"/>
+      </p:ext>
+    </p:extLst>
   </p:cSld>
   <p:clrMapOvr>
     <a:masterClrMapping/>
@@ -8589,8 +8668,8 @@
           <a:lstStyle/>
           <a:p>
             <a:fld id="{48A87A34-81AB-432B-8DAE-1953F412C126}" type="datetimeFigureOut">
-              <a:rPr lang="en-US" dirty="0"/>
-              <a:t>12/14/2022</a:t>
+              <a:rPr lang="en-US" smtClean="0"/>
+              <a:t>1/20/2023</a:t>
             </a:fld>
             <a:endParaRPr lang="en-US" dirty="0"/>
           </a:p>
@@ -8631,7 +8710,7 @@
           <a:lstStyle/>
           <a:p>
             <a:fld id="{6D22F896-40B5-4ADD-8801-0D06FADFA095}" type="slidenum">
-              <a:rPr lang="en-US" dirty="0"/>
+              <a:rPr lang="en-US" smtClean="0"/>
               <a:t>‹#›</a:t>
             </a:fld>
             <a:endParaRPr lang="en-US" dirty="0"/>
@@ -8639,6 +8718,11 @@
         </p:txBody>
       </p:sp>
     </p:spTree>
+    <p:extLst>
+      <p:ext uri="{BB962C8B-B14F-4D97-AF65-F5344CB8AC3E}">
+        <p14:creationId xmlns:p14="http://schemas.microsoft.com/office/powerpoint/2010/main" val="1249654779"/>
+      </p:ext>
+    </p:extLst>
   </p:cSld>
   <p:clrMapOvr>
     <a:masterClrMapping/>
@@ -8864,8 +8948,8 @@
           <a:lstStyle/>
           <a:p>
             <a:fld id="{48A87A34-81AB-432B-8DAE-1953F412C126}" type="datetimeFigureOut">
-              <a:rPr lang="en-US" dirty="0"/>
-              <a:t>12/14/2022</a:t>
+              <a:rPr lang="en-US" smtClean="0"/>
+              <a:t>1/20/2023</a:t>
             </a:fld>
             <a:endParaRPr lang="en-US" dirty="0"/>
           </a:p>
@@ -8906,7 +8990,7 @@
           <a:lstStyle/>
           <a:p>
             <a:fld id="{6D22F896-40B5-4ADD-8801-0D06FADFA095}" type="slidenum">
-              <a:rPr lang="en-US" dirty="0"/>
+              <a:rPr lang="en-US" smtClean="0"/>
               <a:t>‹#›</a:t>
             </a:fld>
             <a:endParaRPr lang="en-US" dirty="0"/>
@@ -8914,6 +8998,11 @@
         </p:txBody>
       </p:sp>
     </p:spTree>
+    <p:extLst>
+      <p:ext uri="{BB962C8B-B14F-4D97-AF65-F5344CB8AC3E}">
+        <p14:creationId xmlns:p14="http://schemas.microsoft.com/office/powerpoint/2010/main" val="1135662353"/>
+      </p:ext>
+    </p:extLst>
   </p:cSld>
   <p:clrMapOvr>
     <a:masterClrMapping/>
@@ -9005,6 +9094,20 @@
             <a:chOff x="-14288" y="0"/>
             <a:chExt cx="12053888" cy="6858001"/>
           </a:xfrm>
+          <a:gradFill flip="none" rotWithShape="1">
+            <a:gsLst>
+              <a:gs pos="0">
+                <a:schemeClr val="tx2"/>
+              </a:gs>
+              <a:gs pos="100000">
+                <a:schemeClr val="tx2">
+                  <a:lumMod val="50000"/>
+                </a:schemeClr>
+              </a:gs>
+            </a:gsLst>
+            <a:lin ang="5400000" scaled="0"/>
+            <a:tileRect/>
+          </a:gradFill>
         </p:grpSpPr>
         <p:grpSp>
           <p:nvGrpSpPr>
@@ -9019,21 +9122,7 @@
               <a:chOff x="-14288" y="0"/>
               <a:chExt cx="1220788" cy="6858001"/>
             </a:xfrm>
-            <a:gradFill flip="none" rotWithShape="1">
-              <a:gsLst>
-                <a:gs pos="0">
-                  <a:schemeClr val="tx2"/>
-                </a:gs>
-                <a:gs pos="100000">
-                  <a:schemeClr val="bg2">
-                    <a:lumMod val="60000"/>
-                    <a:lumOff val="40000"/>
-                  </a:schemeClr>
-                </a:gs>
-              </a:gsLst>
-              <a:lin ang="5400000" scaled="0"/>
-              <a:tileRect/>
-            </a:gradFill>
+            <a:grpFill/>
           </p:grpSpPr>
           <p:sp>
             <p:nvSpPr>
@@ -11022,24 +11111,7 @@
               <a:chOff x="11364912" y="0"/>
               <a:chExt cx="674688" cy="6848476"/>
             </a:xfrm>
-            <a:gradFill flip="none" rotWithShape="1">
-              <a:gsLst>
-                <a:gs pos="0">
-                  <a:schemeClr val="tx2">
-                    <a:alpha val="80000"/>
-                  </a:schemeClr>
-                </a:gs>
-                <a:gs pos="100000">
-                  <a:schemeClr val="bg2">
-                    <a:lumMod val="60000"/>
-                    <a:lumOff val="40000"/>
-                    <a:alpha val="60000"/>
-                  </a:schemeClr>
-                </a:gs>
-              </a:gsLst>
-              <a:lin ang="5400000" scaled="0"/>
-              <a:tileRect/>
-            </a:gradFill>
+            <a:grpFill/>
           </p:grpSpPr>
           <p:sp>
             <p:nvSpPr>
@@ -11943,9 +12015,9 @@
           </a:lstStyle>
           <a:p>
             <a:fld id="{48A87A34-81AB-432B-8DAE-1953F412C126}" type="datetimeFigureOut">
-              <a:rPr lang="en-US" dirty="0"/>
+              <a:rPr lang="en-US" smtClean="0"/>
               <a:pPr/>
-              <a:t>12/14/2022</a:t>
+              <a:t>1/20/2023</a:t>
             </a:fld>
             <a:endParaRPr lang="en-US" dirty="0"/>
           </a:p>
@@ -12022,7 +12094,7 @@
           </a:lstStyle>
           <a:p>
             <a:fld id="{6D22F896-40B5-4ADD-8801-0D06FADFA095}" type="slidenum">
-              <a:rPr lang="en-US" dirty="0"/>
+              <a:rPr lang="en-US" smtClean="0"/>
               <a:pPr/>
               <a:t>‹#›</a:t>
             </a:fld>
@@ -12031,26 +12103,31 @@
         </p:txBody>
       </p:sp>
     </p:spTree>
+    <p:extLst>
+      <p:ext uri="{BB962C8B-B14F-4D97-AF65-F5344CB8AC3E}">
+        <p14:creationId xmlns:p14="http://schemas.microsoft.com/office/powerpoint/2010/main" val="4216353633"/>
+      </p:ext>
+    </p:extLst>
   </p:cSld>
   <p:clrMap bg1="dk1" tx1="lt1" bg2="dk2" tx2="lt2" accent1="accent1" accent2="accent2" accent3="accent3" accent4="accent4" accent5="accent5" accent6="accent6" hlink="hlink" folHlink="folHlink"/>
   <p:sldLayoutIdLst>
-    <p:sldLayoutId id="2147483649" r:id="rId1"/>
-    <p:sldLayoutId id="2147483650" r:id="rId2"/>
-    <p:sldLayoutId id="2147483651" r:id="rId3"/>
-    <p:sldLayoutId id="2147483652" r:id="rId4"/>
-    <p:sldLayoutId id="2147483653" r:id="rId5"/>
-    <p:sldLayoutId id="2147483654" r:id="rId6"/>
-    <p:sldLayoutId id="2147483655" r:id="rId7"/>
-    <p:sldLayoutId id="2147483656" r:id="rId8"/>
-    <p:sldLayoutId id="2147483657" r:id="rId9"/>
-    <p:sldLayoutId id="2147483660" r:id="rId10"/>
-    <p:sldLayoutId id="2147483661" r:id="rId11"/>
-    <p:sldLayoutId id="2147483666" r:id="rId12"/>
-    <p:sldLayoutId id="2147483663" r:id="rId13"/>
-    <p:sldLayoutId id="2147483667" r:id="rId14"/>
-    <p:sldLayoutId id="2147483668" r:id="rId15"/>
-    <p:sldLayoutId id="2147483658" r:id="rId16"/>
-    <p:sldLayoutId id="2147483659" r:id="rId17"/>
+    <p:sldLayoutId id="2147483670" r:id="rId1"/>
+    <p:sldLayoutId id="2147483671" r:id="rId2"/>
+    <p:sldLayoutId id="2147483672" r:id="rId3"/>
+    <p:sldLayoutId id="2147483673" r:id="rId4"/>
+    <p:sldLayoutId id="2147483674" r:id="rId5"/>
+    <p:sldLayoutId id="2147483675" r:id="rId6"/>
+    <p:sldLayoutId id="2147483676" r:id="rId7"/>
+    <p:sldLayoutId id="2147483677" r:id="rId8"/>
+    <p:sldLayoutId id="2147483678" r:id="rId9"/>
+    <p:sldLayoutId id="2147483679" r:id="rId10"/>
+    <p:sldLayoutId id="2147483680" r:id="rId11"/>
+    <p:sldLayoutId id="2147483681" r:id="rId12"/>
+    <p:sldLayoutId id="2147483682" r:id="rId13"/>
+    <p:sldLayoutId id="2147483683" r:id="rId14"/>
+    <p:sldLayoutId id="2147483684" r:id="rId15"/>
+    <p:sldLayoutId id="2147483685" r:id="rId16"/>
+    <p:sldLayoutId id="2147483686" r:id="rId17"/>
   </p:sldLayoutIdLst>
   <p:txStyles>
     <p:titleStyle>
@@ -12066,13 +12143,6 @@
           <a:solidFill>
             <a:schemeClr val="tx1"/>
           </a:solidFill>
-          <a:effectLst>
-            <a:outerShdw blurRad="177800" dist="38100" dir="2700000" algn="tl">
-              <a:srgbClr val="000000">
-                <a:alpha val="24000"/>
-              </a:srgbClr>
-            </a:outerShdw>
-          </a:effectLst>
           <a:latin typeface="+mj-lt"/>
           <a:ea typeface="+mj-ea"/>
           <a:cs typeface="+mj-cs"/>
@@ -12094,13 +12164,6 @@
           <a:solidFill>
             <a:schemeClr val="tx1"/>
           </a:solidFill>
-          <a:effectLst>
-            <a:outerShdw blurRad="152400" dist="38100" dir="2700000" algn="tl">
-              <a:srgbClr val="000000">
-                <a:alpha val="36000"/>
-              </a:srgbClr>
-            </a:outerShdw>
-          </a:effectLst>
           <a:latin typeface="+mn-lt"/>
           <a:ea typeface="+mn-ea"/>
           <a:cs typeface="+mn-cs"/>
@@ -12120,13 +12183,6 @@
           <a:solidFill>
             <a:schemeClr val="tx1"/>
           </a:solidFill>
-          <a:effectLst>
-            <a:outerShdw blurRad="152400" dist="38100" dir="2700000" algn="tl">
-              <a:srgbClr val="000000">
-                <a:alpha val="36000"/>
-              </a:srgbClr>
-            </a:outerShdw>
-          </a:effectLst>
           <a:latin typeface="+mn-lt"/>
           <a:ea typeface="+mn-ea"/>
           <a:cs typeface="+mn-cs"/>
@@ -12146,13 +12202,6 @@
           <a:solidFill>
             <a:schemeClr val="tx1"/>
           </a:solidFill>
-          <a:effectLst>
-            <a:outerShdw blurRad="152400" dist="38100" dir="2700000" algn="tl">
-              <a:srgbClr val="000000">
-                <a:alpha val="36000"/>
-              </a:srgbClr>
-            </a:outerShdw>
-          </a:effectLst>
           <a:latin typeface="+mn-lt"/>
           <a:ea typeface="+mn-ea"/>
           <a:cs typeface="+mn-cs"/>
@@ -12172,13 +12221,6 @@
           <a:solidFill>
             <a:schemeClr val="tx1"/>
           </a:solidFill>
-          <a:effectLst>
-            <a:outerShdw blurRad="152400" dist="38100" dir="2700000" algn="tl">
-              <a:srgbClr val="000000">
-                <a:alpha val="36000"/>
-              </a:srgbClr>
-            </a:outerShdw>
-          </a:effectLst>
           <a:latin typeface="+mn-lt"/>
           <a:ea typeface="+mn-ea"/>
           <a:cs typeface="+mn-cs"/>
@@ -12198,13 +12240,6 @@
           <a:solidFill>
             <a:schemeClr val="tx1"/>
           </a:solidFill>
-          <a:effectLst>
-            <a:outerShdw blurRad="152400" dist="38100" dir="2700000" algn="tl">
-              <a:srgbClr val="000000">
-                <a:alpha val="36000"/>
-              </a:srgbClr>
-            </a:outerShdw>
-          </a:effectLst>
           <a:latin typeface="+mn-lt"/>
           <a:ea typeface="+mn-ea"/>
           <a:cs typeface="+mn-cs"/>
@@ -13277,34 +13312,34 @@
         <a:sysClr val="window" lastClr="FFFFFF"/>
       </a:lt1>
       <a:dk2>
-        <a:srgbClr val="2B5F27"/>
+        <a:srgbClr val="252C36"/>
       </a:dk2>
       <a:lt2>
-        <a:srgbClr val="D8FC68"/>
+        <a:srgbClr val="7C96A3"/>
       </a:lt2>
       <a:accent1>
-        <a:srgbClr val="DDC855"/>
+        <a:srgbClr val="4FD093"/>
       </a:accent1>
       <a:accent2>
-        <a:srgbClr val="FCA03D"/>
+        <a:srgbClr val="54BCDF"/>
       </a:accent2>
       <a:accent3>
-        <a:srgbClr val="E36439"/>
+        <a:srgbClr val="A262D0"/>
       </a:accent3>
       <a:accent4>
-        <a:srgbClr val="C2935B"/>
+        <a:srgbClr val="D7537B"/>
       </a:accent4>
       <a:accent5>
-        <a:srgbClr val="88C25C"/>
+        <a:srgbClr val="E78045"/>
       </a:accent5>
       <a:accent6>
-        <a:srgbClr val="BFCC86"/>
+        <a:srgbClr val="84C350"/>
       </a:accent6>
       <a:hlink>
-        <a:srgbClr val="FFCE23"/>
+        <a:srgbClr val="22FFFF"/>
       </a:hlink>
       <a:folHlink>
-        <a:srgbClr val="FDEB86"/>
+        <a:srgbClr val="9BF3FD"/>
       </a:folHlink>
     </a:clrScheme>
     <a:fontScheme name="Circuit">
@@ -13469,9 +13504,9 @@
             <a:gs pos="0">
               <a:schemeClr val="phClr">
                 <a:tint val="98000"/>
-                <a:hueMod val="88000"/>
+                <a:hueMod val="94000"/>
                 <a:satMod val="148000"/>
-                <a:lumMod val="150000"/>
+                <a:lumMod val="140000"/>
               </a:schemeClr>
             </a:gs>
             <a:gs pos="100000">
@@ -13479,7 +13514,7 @@
                 <a:shade val="92000"/>
                 <a:hueMod val="104000"/>
                 <a:satMod val="140000"/>
-                <a:lumMod val="68000"/>
+                <a:lumMod val="48000"/>
               </a:schemeClr>
             </a:gs>
           </a:gsLst>
@@ -13489,16 +13524,16 @@
           <a:blip xmlns:r="http://schemas.openxmlformats.org/officeDocument/2006/relationships" r:embed="rId1">
             <a:duotone>
               <a:schemeClr val="phClr">
-                <a:shade val="88000"/>
+                <a:shade val="48000"/>
                 <a:hueMod val="106000"/>
                 <a:satMod val="140000"/>
-                <a:lumMod val="54000"/>
+                <a:lumMod val="42000"/>
               </a:schemeClr>
               <a:schemeClr val="phClr">
                 <a:tint val="98000"/>
-                <a:hueMod val="82000"/>
-                <a:satMod val="150000"/>
-                <a:lumMod val="160000"/>
+                <a:hueMod val="92000"/>
+                <a:satMod val="220000"/>
+                <a:lumMod val="90000"/>
               </a:schemeClr>
             </a:duotone>
           </a:blip>
@@ -13511,7 +13546,7 @@
   <a:extraClrSchemeLst/>
   <a:extLst>
     <a:ext uri="{05A4C25C-085E-4340-85A3-A5531E510DB2}">
-      <thm15:themeFamily xmlns:thm15="http://schemas.microsoft.com/office/thememl/2012/main" name="Circuit" id="{0AC2F7E7-15F5-431C-B2A2-456FE929F56C}" vid="{97ECCC31-8429-4523-BE8D-8F09B7A4D46D}"/>
+      <thm15:themeFamily xmlns:thm15="http://schemas.microsoft.com/office/thememl/2012/main" name="Circuit" id="{0AC2F7E7-15F5-431C-B2A2-456FE929F56C}" vid="{142578CA-DEC9-49C3-80AF-C113973CC9A9}"/>
     </a:ext>
   </a:extLst>
 </a:theme>
